--- a/XMind/listener.pptx
+++ b/XMind/listener.pptx
@@ -10,6 +10,7 @@
     <p:sldId id="260" r:id="rId4"/>
     <p:sldId id="258" r:id="rId5"/>
     <p:sldId id="259" r:id="rId6"/>
+    <p:sldId id="261" r:id="rId7"/>
   </p:sldIdLst>
   <p:sldSz cx="9144000" cy="6858000" type="screen4x3"/>
   <p:notesSz cx="6858000" cy="9144000"/>
@@ -5937,7 +5938,7 @@
         <p:spPr>
           <a:xfrm>
             <a:off x="1309574" y="1366438"/>
-            <a:ext cx="4198585" cy="369332"/>
+            <a:ext cx="7078850" cy="4006777"/>
           </a:xfrm>
           <a:prstGeom prst="rect">
             <a:avLst/>
@@ -5945,45 +5946,265 @@
           <a:noFill/>
         </p:spPr>
         <p:txBody>
+          <a:bodyPr wrap="square" rtlCol="0">
+            <a:noAutofit/>
+          </a:bodyPr>
+          <a:lstStyle/>
+          <a:p>
+            <a:r>
+              <a:rPr lang="en-US" altLang="zh-CN" dirty="0"/>
+              <a:t>1</a:t>
+            </a:r>
+            <a:r>
+              <a:rPr lang="zh-CN" altLang="en-US" dirty="0"/>
+              <a:t>、图标：</a:t>
+            </a:r>
+            <a:r>
+              <a:rPr lang="en-US" altLang="zh-CN" dirty="0"/>
+              <a:t>https://www.iconfont.cn/collections/detail?spm=a313x.7781069.0.da5a778a4&amp;cid=22</a:t>
+            </a:r>
+          </a:p>
+          <a:p>
+            <a:r>
+              <a:rPr lang="en-US" altLang="zh-CN" dirty="0"/>
+              <a:t>2</a:t>
+            </a:r>
+            <a:r>
+              <a:rPr lang="zh-CN" altLang="en-US" dirty="0"/>
+              <a:t>、图标：</a:t>
+            </a:r>
+            <a:r>
+              <a:rPr lang="en-US" altLang="zh-CN" dirty="0"/>
+              <a:t>https://www.iconfont.cn/collections/detail?spm=a313x.7781069.0.da5a778a4&amp;cid=33</a:t>
+            </a:r>
+          </a:p>
+          <a:p>
+            <a:r>
+              <a:rPr lang="en-US" altLang="zh-CN" dirty="0"/>
+              <a:t>3</a:t>
+            </a:r>
+            <a:r>
+              <a:rPr lang="zh-CN" altLang="en-US" dirty="0"/>
+              <a:t>、图标，有限查看</a:t>
+            </a:r>
+            <a:endParaRPr lang="en-US" altLang="zh-CN" dirty="0"/>
+          </a:p>
+          <a:p>
+            <a:r>
+              <a:rPr lang="en-US" altLang="zh-CN" dirty="0"/>
+              <a:t>https://www.iconfont.cn/collections/detail?spm=a313x.7781069.0.da5a778a4&amp;cid=37569</a:t>
+            </a:r>
+          </a:p>
+          <a:p>
+            <a:r>
+              <a:rPr lang="en-US" altLang="zh-CN" dirty="0"/>
+              <a:t>4</a:t>
+            </a:r>
+            <a:r>
+              <a:rPr lang="zh-CN" altLang="en-US" dirty="0"/>
+              <a:t>、</a:t>
+            </a:r>
+            <a:r>
+              <a:rPr lang="en-US" altLang="zh-CN" dirty="0"/>
+              <a:t>CSS</a:t>
+            </a:r>
+            <a:r>
+              <a:rPr lang="zh-CN" altLang="en-US" dirty="0"/>
+              <a:t>中</a:t>
+            </a:r>
+            <a:r>
+              <a:rPr lang="en-US" altLang="zh-CN" dirty="0"/>
+              <a:t>filter</a:t>
+            </a:r>
+            <a:r>
+              <a:rPr lang="zh-CN" altLang="en-US" dirty="0"/>
+              <a:t>学习：自己百度</a:t>
+            </a:r>
+            <a:endParaRPr lang="en-US" altLang="zh-CN" dirty="0"/>
+          </a:p>
+        </p:txBody>
+      </p:sp>
+    </p:spTree>
+    <p:extLst>
+      <p:ext uri="{BB962C8B-B14F-4D97-AF65-F5344CB8AC3E}">
+        <p14:creationId xmlns:p14="http://schemas.microsoft.com/office/powerpoint/2010/main" val="3795624129"/>
+      </p:ext>
+    </p:extLst>
+  </p:cSld>
+  <p:clrMapOvr>
+    <a:masterClrMapping/>
+  </p:clrMapOvr>
+</p:sld>
+</file>
+
+<file path=ppt/slides/slide6.xml><?xml version="1.0" encoding="utf-8"?>
+<p:sld xmlns:a="http://schemas.openxmlformats.org/drawingml/2006/main" xmlns:r="http://schemas.openxmlformats.org/officeDocument/2006/relationships" xmlns:p="http://schemas.openxmlformats.org/presentationml/2006/main">
+  <p:cSld>
+    <p:spTree>
+      <p:nvGrpSpPr>
+        <p:cNvPr id="1" name=""/>
+        <p:cNvGrpSpPr/>
+        <p:nvPr/>
+      </p:nvGrpSpPr>
+      <p:grpSpPr>
+        <a:xfrm>
+          <a:off x="0" y="0"/>
+          <a:ext cx="0" cy="0"/>
+          <a:chOff x="0" y="0"/>
+          <a:chExt cx="0" cy="0"/>
+        </a:xfrm>
+      </p:grpSpPr>
+      <p:sp>
+        <p:nvSpPr>
+          <p:cNvPr id="2" name="文本框 1">
+            <a:extLst>
+              <a:ext uri="{FF2B5EF4-FFF2-40B4-BE49-F238E27FC236}">
+                <a16:creationId xmlns:a16="http://schemas.microsoft.com/office/drawing/2014/main" id="{3971C952-4260-9C06-E9E1-9B4DEC60CCED}"/>
+              </a:ext>
+            </a:extLst>
+          </p:cNvPr>
+          <p:cNvSpPr txBox="1"/>
+          <p:nvPr/>
+        </p:nvSpPr>
+        <p:spPr>
+          <a:xfrm>
+            <a:off x="755576" y="548680"/>
+            <a:ext cx="646331" cy="369332"/>
+          </a:xfrm>
+          <a:prstGeom prst="rect">
+            <a:avLst/>
+          </a:prstGeom>
+          <a:noFill/>
+        </p:spPr>
+        <p:txBody>
           <a:bodyPr wrap="none" rtlCol="0">
             <a:spAutoFit/>
           </a:bodyPr>
           <a:lstStyle/>
           <a:p>
             <a:r>
+              <a:rPr lang="zh-CN" altLang="en-US" dirty="0"/>
+              <a:t>任务</a:t>
+            </a:r>
+          </a:p>
+        </p:txBody>
+      </p:sp>
+      <p:sp>
+        <p:nvSpPr>
+          <p:cNvPr id="3" name="文本框 2">
+            <a:extLst>
+              <a:ext uri="{FF2B5EF4-FFF2-40B4-BE49-F238E27FC236}">
+                <a16:creationId xmlns:a16="http://schemas.microsoft.com/office/drawing/2014/main" id="{7E0FF258-D6B9-0E3C-6146-B5AA00DDC820}"/>
+              </a:ext>
+            </a:extLst>
+          </p:cNvPr>
+          <p:cNvSpPr txBox="1"/>
+          <p:nvPr/>
+        </p:nvSpPr>
+        <p:spPr>
+          <a:xfrm>
+            <a:off x="1475656" y="1556792"/>
+            <a:ext cx="184731" cy="369332"/>
+          </a:xfrm>
+          <a:prstGeom prst="rect">
+            <a:avLst/>
+          </a:prstGeom>
+          <a:noFill/>
+        </p:spPr>
+        <p:txBody>
+          <a:bodyPr wrap="none" rtlCol="0">
+            <a:spAutoFit/>
+          </a:bodyPr>
+          <a:lstStyle/>
+          <a:p>
+            <a:endParaRPr lang="zh-CN" altLang="en-US" dirty="0"/>
+          </a:p>
+        </p:txBody>
+      </p:sp>
+      <p:sp>
+        <p:nvSpPr>
+          <p:cNvPr id="4" name="文本框 3">
+            <a:extLst>
+              <a:ext uri="{FF2B5EF4-FFF2-40B4-BE49-F238E27FC236}">
+                <a16:creationId xmlns:a16="http://schemas.microsoft.com/office/drawing/2014/main" id="{B301503A-4FC9-89F8-8590-F0A4CEE323F7}"/>
+              </a:ext>
+            </a:extLst>
+          </p:cNvPr>
+          <p:cNvSpPr txBox="1"/>
+          <p:nvPr/>
+        </p:nvSpPr>
+        <p:spPr>
+          <a:xfrm>
+            <a:off x="1309574" y="1366438"/>
+            <a:ext cx="7078850" cy="4006777"/>
+          </a:xfrm>
+          <a:prstGeom prst="rect">
+            <a:avLst/>
+          </a:prstGeom>
+          <a:noFill/>
+        </p:spPr>
+        <p:txBody>
+          <a:bodyPr wrap="square" rtlCol="0">
+            <a:noAutofit/>
+          </a:bodyPr>
+          <a:lstStyle/>
+          <a:p>
+            <a:r>
+              <a:rPr lang="en-US" altLang="zh-CN" dirty="0"/>
+              <a:t>2022-07-05</a:t>
+            </a:r>
+          </a:p>
+          <a:p>
+            <a:r>
               <a:rPr lang="en-US" altLang="zh-CN" dirty="0"/>
               <a:t>1</a:t>
             </a:r>
             <a:r>
               <a:rPr lang="zh-CN" altLang="en-US" dirty="0"/>
-              <a:t>、图标：</a:t>
-            </a:r>
-            <a:r>
-              <a:rPr lang="en-US" altLang="zh-CN" dirty="0" err="1">
-                <a:hlinkClick r:id="rId2"/>
-              </a:rPr>
-              <a:t>iconfont</a:t>
-            </a:r>
-            <a:r>
-              <a:rPr lang="en-US" altLang="zh-CN" dirty="0">
-                <a:hlinkClick r:id="rId2"/>
-              </a:rPr>
-              <a:t>-</a:t>
-            </a:r>
-            <a:r>
-              <a:rPr lang="zh-CN" altLang="en-US" dirty="0">
-                <a:hlinkClick r:id="rId2"/>
-              </a:rPr>
-              <a:t>阿里巴巴矢量图标库</a:t>
-            </a:r>
-            <a:endParaRPr lang="zh-CN" altLang="en-US" dirty="0"/>
+              <a:t>、优化首页播放的逻辑</a:t>
+            </a:r>
+            <a:endParaRPr lang="en-US" altLang="zh-CN" dirty="0"/>
+          </a:p>
+          <a:p>
+            <a:r>
+              <a:rPr lang="en-US" altLang="zh-CN" dirty="0"/>
+              <a:t>2</a:t>
+            </a:r>
+            <a:r>
+              <a:rPr lang="zh-CN" altLang="en-US" dirty="0"/>
+              <a:t>、增加苹果锁屏页面的下一首播放逻辑</a:t>
+            </a:r>
+            <a:endParaRPr lang="en-US" altLang="zh-CN" dirty="0"/>
+          </a:p>
+          <a:p>
+            <a:r>
+              <a:rPr lang="en-US" altLang="zh-CN" dirty="0"/>
+              <a:t>3</a:t>
+            </a:r>
+            <a:r>
+              <a:rPr lang="zh-CN" altLang="en-US" dirty="0"/>
+              <a:t>、对接</a:t>
+            </a:r>
+            <a:r>
+              <a:rPr lang="en-US" altLang="zh-CN" dirty="0"/>
+              <a:t>COS</a:t>
+            </a:r>
+            <a:r>
+              <a:rPr lang="zh-CN" altLang="en-US" dirty="0"/>
+              <a:t>的</a:t>
+            </a:r>
+            <a:r>
+              <a:rPr lang="en-US" altLang="zh-CN"/>
+              <a:t>API</a:t>
+            </a:r>
+            <a:endParaRPr lang="en-US" altLang="zh-CN" dirty="0"/>
           </a:p>
         </p:txBody>
       </p:sp>
     </p:spTree>
     <p:extLst>
       <p:ext uri="{BB962C8B-B14F-4D97-AF65-F5344CB8AC3E}">
-        <p14:creationId xmlns:p14="http://schemas.microsoft.com/office/powerpoint/2010/main" val="3795624129"/>
+        <p14:creationId xmlns:p14="http://schemas.microsoft.com/office/powerpoint/2010/main" val="3673075952"/>
       </p:ext>
     </p:extLst>
   </p:cSld>
